--- a/GEO_503_Poster_Template.pptx
+++ b/GEO_503_Poster_Template.pptx
@@ -320,7 +320,7 @@
           <a:p>
             <a:fld id="{E05FE819-34A3-491B-BF44-DEEAC29B88E4}" type="datetimeFigureOut">
               <a:rPr lang="en-US" smtClean="0"/>
-              <a:t>4/25/2016</a:t>
+              <a:t>4/27/2016</a:t>
             </a:fld>
             <a:endParaRPr lang="en-US" dirty="0"/>
           </a:p>
@@ -490,7 +490,7 @@
           <a:p>
             <a:fld id="{E05FE819-34A3-491B-BF44-DEEAC29B88E4}" type="datetimeFigureOut">
               <a:rPr lang="en-US" smtClean="0"/>
-              <a:t>4/25/2016</a:t>
+              <a:t>4/27/2016</a:t>
             </a:fld>
             <a:endParaRPr lang="en-US" dirty="0"/>
           </a:p>
@@ -670,7 +670,7 @@
           <a:p>
             <a:fld id="{E05FE819-34A3-491B-BF44-DEEAC29B88E4}" type="datetimeFigureOut">
               <a:rPr lang="en-US" smtClean="0"/>
-              <a:t>4/25/2016</a:t>
+              <a:t>4/27/2016</a:t>
             </a:fld>
             <a:endParaRPr lang="en-US" dirty="0"/>
           </a:p>
@@ -840,7 +840,7 @@
           <a:p>
             <a:fld id="{E05FE819-34A3-491B-BF44-DEEAC29B88E4}" type="datetimeFigureOut">
               <a:rPr lang="en-US" smtClean="0"/>
-              <a:t>4/25/2016</a:t>
+              <a:t>4/27/2016</a:t>
             </a:fld>
             <a:endParaRPr lang="en-US" dirty="0"/>
           </a:p>
@@ -1086,7 +1086,7 @@
           <a:p>
             <a:fld id="{E05FE819-34A3-491B-BF44-DEEAC29B88E4}" type="datetimeFigureOut">
               <a:rPr lang="en-US" smtClean="0"/>
-              <a:t>4/25/2016</a:t>
+              <a:t>4/27/2016</a:t>
             </a:fld>
             <a:endParaRPr lang="en-US" dirty="0"/>
           </a:p>
@@ -1374,7 +1374,7 @@
           <a:p>
             <a:fld id="{E05FE819-34A3-491B-BF44-DEEAC29B88E4}" type="datetimeFigureOut">
               <a:rPr lang="en-US" smtClean="0"/>
-              <a:t>4/25/2016</a:t>
+              <a:t>4/27/2016</a:t>
             </a:fld>
             <a:endParaRPr lang="en-US" dirty="0"/>
           </a:p>
@@ -1796,7 +1796,7 @@
           <a:p>
             <a:fld id="{E05FE819-34A3-491B-BF44-DEEAC29B88E4}" type="datetimeFigureOut">
               <a:rPr lang="en-US" smtClean="0"/>
-              <a:t>4/25/2016</a:t>
+              <a:t>4/27/2016</a:t>
             </a:fld>
             <a:endParaRPr lang="en-US" dirty="0"/>
           </a:p>
@@ -1914,7 +1914,7 @@
           <a:p>
             <a:fld id="{E05FE819-34A3-491B-BF44-DEEAC29B88E4}" type="datetimeFigureOut">
               <a:rPr lang="en-US" smtClean="0"/>
-              <a:t>4/25/2016</a:t>
+              <a:t>4/27/2016</a:t>
             </a:fld>
             <a:endParaRPr lang="en-US" dirty="0"/>
           </a:p>
@@ -2009,7 +2009,7 @@
           <a:p>
             <a:fld id="{E05FE819-34A3-491B-BF44-DEEAC29B88E4}" type="datetimeFigureOut">
               <a:rPr lang="en-US" smtClean="0"/>
-              <a:t>4/25/2016</a:t>
+              <a:t>4/27/2016</a:t>
             </a:fld>
             <a:endParaRPr lang="en-US" dirty="0"/>
           </a:p>
@@ -2286,7 +2286,7 @@
           <a:p>
             <a:fld id="{E05FE819-34A3-491B-BF44-DEEAC29B88E4}" type="datetimeFigureOut">
               <a:rPr lang="en-US" smtClean="0"/>
-              <a:t>4/25/2016</a:t>
+              <a:t>4/27/2016</a:t>
             </a:fld>
             <a:endParaRPr lang="en-US" dirty="0"/>
           </a:p>
@@ -2543,7 +2543,7 @@
           <a:p>
             <a:fld id="{E05FE819-34A3-491B-BF44-DEEAC29B88E4}" type="datetimeFigureOut">
               <a:rPr lang="en-US" smtClean="0"/>
-              <a:t>4/25/2016</a:t>
+              <a:t>4/27/2016</a:t>
             </a:fld>
             <a:endParaRPr lang="en-US" dirty="0"/>
           </a:p>
@@ -2756,7 +2756,7 @@
           <a:p>
             <a:fld id="{E05FE819-34A3-491B-BF44-DEEAC29B88E4}" type="datetimeFigureOut">
               <a:rPr lang="en-US" smtClean="0"/>
-              <a:t>4/25/2016</a:t>
+              <a:t>4/27/2016</a:t>
             </a:fld>
             <a:endParaRPr lang="en-US" dirty="0"/>
           </a:p>
@@ -3224,12 +3224,27 @@
               </a:rPr>
             </a:br>
             <a:r>
-              <a:rPr lang="en-US" sz="7000" dirty="0" smtClean="0">
+              <a:rPr lang="en-US" sz="5300" dirty="0" smtClean="0">
+                <a:solidFill>
+                  <a:srgbClr val="FFD24F"/>
+                </a:solidFill>
+              </a:rPr>
+              <a:t/>
+            </a:r>
+            <a:br>
+              <a:rPr lang="en-US" sz="5300" dirty="0" smtClean="0">
+                <a:solidFill>
+                  <a:srgbClr val="FFD24F"/>
+                </a:solidFill>
+              </a:rPr>
+            </a:br>
+            <a:r>
+              <a:rPr lang="en-US" sz="7200" dirty="0" smtClean="0">
                 <a:solidFill>
                   <a:schemeClr val="bg1"/>
                 </a:solidFill>
               </a:rPr>
-              <a:t>Leo Furnari</a:t>
+              <a:t>Created by: Leo Furnari</a:t>
             </a:r>
             <a:r>
               <a:rPr lang="en-US" sz="7000" dirty="0">
@@ -3327,141 +3342,42 @@
               </a:rPr>
               <a:t>2016</a:t>
             </a:r>
-            <a:endParaRPr lang="en-US" sz="7200" dirty="0"/>
-          </a:p>
-        </p:txBody>
-      </p:sp>
-      <p:sp>
-        <p:nvSpPr>
-          <p:cNvPr id="80" name="Rectangle 79"/>
-          <p:cNvSpPr/>
+          </a:p>
+        </p:txBody>
+      </p:sp>
+      <p:pic>
+        <p:nvPicPr>
+          <p:cNvPr id="5" name="Picture 4"/>
+          <p:cNvPicPr>
+            <a:picLocks noChangeAspect="1"/>
+          </p:cNvPicPr>
           <p:nvPr/>
-        </p:nvSpPr>
+        </p:nvPicPr>
+        <p:blipFill>
+          <a:blip r:embed="rId2">
+            <a:extLst>
+              <a:ext uri="{28A0092B-C50C-407E-A947-70E740481C1C}">
+                <a14:useLocalDpi xmlns:a14="http://schemas.microsoft.com/office/drawing/2010/main" val="0"/>
+              </a:ext>
+            </a:extLst>
+          </a:blip>
+          <a:stretch>
+            <a:fillRect/>
+          </a:stretch>
+        </p:blipFill>
         <p:spPr>
           <a:xfrm>
-            <a:off x="381000" y="30452568"/>
-            <a:ext cx="43031420" cy="1932432"/>
+            <a:off x="26231950" y="18571731"/>
+            <a:ext cx="8699046" cy="11044898"/>
           </a:xfrm>
           <a:prstGeom prst="rect">
             <a:avLst/>
           </a:prstGeom>
-          <a:noFill/>
-          <a:ln>
-            <a:solidFill>
-              <a:schemeClr val="tx1"/>
-            </a:solidFill>
-            <a:prstDash val="dashDot"/>
-          </a:ln>
         </p:spPr>
-        <p:style>
-          <a:lnRef idx="2">
-            <a:schemeClr val="accent1">
-              <a:shade val="50000"/>
-            </a:schemeClr>
-          </a:lnRef>
-          <a:fillRef idx="1">
-            <a:schemeClr val="accent1"/>
-          </a:fillRef>
-          <a:effectRef idx="0">
-            <a:schemeClr val="accent1"/>
-          </a:effectRef>
-          <a:fontRef idx="minor">
-            <a:schemeClr val="lt1"/>
-          </a:fontRef>
-        </p:style>
-        <p:txBody>
-          <a:bodyPr rtlCol="0" anchor="ctr"/>
-          <a:lstStyle/>
-          <a:p>
-            <a:r>
-              <a:rPr lang="en-US" sz="3600" b="1" u="sng" dirty="0" smtClean="0">
-                <a:solidFill>
-                  <a:schemeClr val="tx1"/>
-                </a:solidFill>
-              </a:rPr>
-              <a:t>References</a:t>
-            </a:r>
-          </a:p>
-          <a:p>
-            <a:r>
-              <a:rPr lang="en-US" sz="3600" b="1" dirty="0" smtClean="0">
-                <a:solidFill>
-                  <a:schemeClr val="tx1"/>
-                </a:solidFill>
-              </a:rPr>
-              <a:t>1. </a:t>
-            </a:r>
-            <a:r>
-              <a:rPr lang="en-US" sz="3600" b="1" dirty="0">
-                <a:solidFill>
-                  <a:schemeClr val="tx1"/>
-                </a:solidFill>
-              </a:rPr>
-              <a:t>National Elevation Dataset 30 Meter 1-degree Tiles. (n.d.). Retrieved March 25, 2016, from </a:t>
-            </a:r>
-            <a:r>
-              <a:rPr lang="en-US" sz="3600" b="1" dirty="0">
-                <a:solidFill>
-                  <a:schemeClr val="tx1"/>
-                </a:solidFill>
-                <a:hlinkClick r:id="rId2"/>
-              </a:rPr>
-              <a:t>http://datagateway.nrcs.usda.gov</a:t>
-            </a:r>
-            <a:r>
-              <a:rPr lang="en-US" sz="3600" b="1" dirty="0" smtClean="0">
-                <a:solidFill>
-                  <a:schemeClr val="tx1"/>
-                </a:solidFill>
-                <a:hlinkClick r:id="rId2"/>
-              </a:rPr>
-              <a:t>/</a:t>
-            </a:r>
-            <a:r>
-              <a:rPr lang="en-US" sz="3600" b="1" dirty="0" smtClean="0">
-                <a:solidFill>
-                  <a:schemeClr val="tx1"/>
-                </a:solidFill>
-              </a:rPr>
-              <a:t> Publication </a:t>
-            </a:r>
-            <a:r>
-              <a:rPr lang="en-US" sz="3600" b="1" dirty="0">
-                <a:solidFill>
-                  <a:schemeClr val="tx1"/>
-                </a:solidFill>
-              </a:rPr>
-              <a:t>Place: Fort Worth, TX. Publisher: National Cartography &amp; Geospatial Center</a:t>
-            </a:r>
-          </a:p>
-          <a:p>
-            <a:r>
-              <a:rPr lang="en-US" sz="3600" b="1" dirty="0" smtClean="0">
-                <a:solidFill>
-                  <a:schemeClr val="tx1"/>
-                </a:solidFill>
-              </a:rPr>
-              <a:t>2. Federal </a:t>
-            </a:r>
-            <a:r>
-              <a:rPr lang="en-US" sz="3600" b="1" dirty="0">
-                <a:solidFill>
-                  <a:schemeClr val="tx1"/>
-                </a:solidFill>
-              </a:rPr>
-              <a:t>Communications Commission (FCC) Geospatial Data, United States - Minnesota Geospatial Commons. (n.d.). Retrieved March 30, 2016, from https://gisdata.mn.gov/dataset/util-fcc</a:t>
-            </a:r>
-            <a:endParaRPr lang="en-US" sz="3600" dirty="0">
-              <a:solidFill>
-                <a:schemeClr val="tx1"/>
-              </a:solidFill>
-            </a:endParaRPr>
-          </a:p>
-        </p:txBody>
-      </p:sp>
+      </p:pic>
       <p:pic>
         <p:nvPicPr>
-          <p:cNvPr id="5" name="Picture 4"/>
+          <p:cNvPr id="7" name="Picture 6"/>
           <p:cNvPicPr>
             <a:picLocks noChangeAspect="1"/>
           </p:cNvPicPr>
@@ -3481,17 +3397,495 @@
         </p:blipFill>
         <p:spPr>
           <a:xfrm>
-            <a:off x="26231950" y="18869678"/>
-            <a:ext cx="8699046" cy="11383865"/>
+            <a:off x="33929134" y="18702912"/>
+            <a:ext cx="8715418" cy="11044897"/>
           </a:xfrm>
           <a:prstGeom prst="rect">
             <a:avLst/>
           </a:prstGeom>
+          <a:solidFill>
+            <a:srgbClr val="6A0032"/>
+          </a:solidFill>
         </p:spPr>
       </p:pic>
+      <p:sp>
+        <p:nvSpPr>
+          <p:cNvPr id="11" name="TextBox 10"/>
+          <p:cNvSpPr txBox="1"/>
+          <p:nvPr/>
+        </p:nvSpPr>
+        <p:spPr>
+          <a:xfrm>
+            <a:off x="0" y="6019800"/>
+            <a:ext cx="14456987" cy="17497098"/>
+          </a:xfrm>
+          <a:prstGeom prst="rect">
+            <a:avLst/>
+          </a:prstGeom>
+          <a:noFill/>
+          <a:ln>
+            <a:solidFill>
+              <a:schemeClr val="tx1"/>
+            </a:solidFill>
+          </a:ln>
+        </p:spPr>
+        <p:txBody>
+          <a:bodyPr wrap="square" rtlCol="0">
+            <a:spAutoFit/>
+          </a:bodyPr>
+          <a:lstStyle/>
+          <a:p>
+            <a:pPr algn="ctr"/>
+            <a:r>
+              <a:rPr lang="en-US" b="1" u="sng" dirty="0" smtClean="0"/>
+              <a:t>Introduction</a:t>
+            </a:r>
+            <a:endParaRPr lang="en-US" dirty="0" smtClean="0"/>
+          </a:p>
+          <a:p>
+            <a:r>
+              <a:rPr lang="en-US" b="1" dirty="0" smtClean="0"/>
+              <a:t>The area of Leelanau county, Michigan was observed for cellular coverage analysis. An area of south Leelanau, consisting of a largely farmlands, was found to have a dead spot. This study proposes that a cellular tower be built to increase the overall coverage in the county.</a:t>
+            </a:r>
+          </a:p>
+          <a:p>
+            <a:endParaRPr lang="en-US" dirty="0"/>
+          </a:p>
+          <a:p>
+            <a:pPr algn="ctr"/>
+            <a:r>
+              <a:rPr lang="en-US" b="1" u="sng" dirty="0" smtClean="0"/>
+              <a:t>Data and methods</a:t>
+            </a:r>
+            <a:endParaRPr lang="en-US" dirty="0" smtClean="0"/>
+          </a:p>
+          <a:p>
+            <a:r>
+              <a:rPr lang="en-US" b="1" dirty="0" smtClean="0"/>
+              <a:t>The data used in this study was gathered through the USDA Geospatial Data Gateway</a:t>
+            </a:r>
+            <a:r>
+              <a:rPr lang="en-US" b="1" baseline="30000" dirty="0" smtClean="0"/>
+              <a:t>1</a:t>
+            </a:r>
+            <a:r>
+              <a:rPr lang="en-US" b="1" dirty="0" smtClean="0"/>
+              <a:t> and the FCC</a:t>
+            </a:r>
+            <a:r>
+              <a:rPr lang="en-US" b="1" baseline="30000" dirty="0" smtClean="0"/>
+              <a:t>2</a:t>
+            </a:r>
+            <a:r>
+              <a:rPr lang="en-US" b="1" dirty="0" smtClean="0"/>
+              <a:t> . </a:t>
+            </a:r>
+            <a:r>
+              <a:rPr lang="en-US" b="1" dirty="0" smtClean="0"/>
+              <a:t>ArcGIS was used to process all of the data for this study. Included </a:t>
+            </a:r>
+            <a:r>
+              <a:rPr lang="en-US" b="1" dirty="0" smtClean="0"/>
+              <a:t>in the USDA data was elevation data (DEMs) with filenames such as “</a:t>
+            </a:r>
+            <a:r>
+              <a:rPr lang="en-US" b="1" i="1" dirty="0" smtClean="0"/>
+              <a:t>ned30m45086.tif</a:t>
+            </a:r>
+            <a:r>
+              <a:rPr lang="en-US" b="1" dirty="0" smtClean="0"/>
+              <a:t>”. Each of the 30m DEMs were mosaicked into one file with the ArcGIS Mosaic tool. A Fill function was run on the resulting DEM to ensure that there were no inconsistencies in the data, </a:t>
+            </a:r>
+            <a:r>
+              <a:rPr lang="en-US" b="1" i="1" dirty="0" smtClean="0"/>
+              <a:t>“demfill”.</a:t>
+            </a:r>
+            <a:r>
+              <a:rPr lang="en-US" b="1" dirty="0" smtClean="0"/>
+              <a:t> This file was essential to each of the viewshed functions. The FCC data included a file “</a:t>
+            </a:r>
+            <a:r>
+              <a:rPr lang="en-US" b="1" i="1" dirty="0" smtClean="0"/>
+              <a:t>cellular.shp” </a:t>
+            </a:r>
+            <a:r>
+              <a:rPr lang="en-US" b="1" dirty="0" smtClean="0"/>
+              <a:t>which contained all of the cellular towers in the US. This shapefile was projected to the same coordinate system, </a:t>
+            </a:r>
+            <a:r>
+              <a:rPr lang="en-US" b="1" i="1" dirty="0" smtClean="0"/>
+              <a:t>“Export_cellular.shp</a:t>
+            </a:r>
+            <a:r>
+              <a:rPr lang="en-US" b="1" i="1" dirty="0" smtClean="0"/>
+              <a:t>”.</a:t>
+            </a:r>
+            <a:endParaRPr lang="en-US" b="1" i="1" dirty="0"/>
+          </a:p>
+          <a:p>
+            <a:r>
+              <a:rPr lang="en-US" b="1" dirty="0" smtClean="0"/>
+              <a:t>A </a:t>
+            </a:r>
+            <a:r>
+              <a:rPr lang="en-US" b="1" dirty="0"/>
+              <a:t>viewshed function was run on </a:t>
+            </a:r>
+            <a:r>
+              <a:rPr lang="en-US" b="1" i="1" dirty="0"/>
+              <a:t>demfill </a:t>
+            </a:r>
+            <a:r>
+              <a:rPr lang="en-US" b="1" dirty="0"/>
+              <a:t>with </a:t>
+            </a:r>
+            <a:r>
+              <a:rPr lang="en-US" b="1" i="1" dirty="0"/>
+              <a:t>Export_cellular.shp </a:t>
+            </a:r>
+            <a:r>
+              <a:rPr lang="en-US" b="1" dirty="0"/>
+              <a:t> as the input point</a:t>
+            </a:r>
+            <a:r>
+              <a:rPr lang="en-US" b="1" i="1" dirty="0"/>
+              <a:t>. </a:t>
+            </a:r>
+            <a:r>
+              <a:rPr lang="en-US" b="1" dirty="0"/>
+              <a:t>This was considered the original tower layout, “</a:t>
+            </a:r>
+            <a:r>
+              <a:rPr lang="en-US" b="1" i="1" dirty="0"/>
+              <a:t>viewtow”</a:t>
+            </a:r>
+            <a:r>
+              <a:rPr lang="en-US" b="1" dirty="0"/>
+              <a:t>. The data in this shapefile was reclassified to ensure that </a:t>
+            </a:r>
+            <a:r>
+              <a:rPr lang="en-US" b="1" dirty="0" smtClean="0"/>
+              <a:t>all non-visible areas were eliminated from the raster, “</a:t>
+            </a:r>
+            <a:r>
+              <a:rPr lang="en-US" b="1" i="1" dirty="0" smtClean="0"/>
+              <a:t>classviewfin”. </a:t>
+            </a:r>
+            <a:r>
+              <a:rPr lang="en-US" b="1" dirty="0"/>
+              <a:t>The raster data now represented fully visible data, a Euclidean Distance function was run on </a:t>
+            </a:r>
+            <a:r>
+              <a:rPr lang="en-US" b="1" i="1" dirty="0"/>
+              <a:t>classviewfin </a:t>
+            </a:r>
+            <a:r>
+              <a:rPr lang="en-US" b="1" dirty="0"/>
+              <a:t>which created “</a:t>
+            </a:r>
+            <a:r>
+              <a:rPr lang="en-US" b="1" i="1" dirty="0"/>
+              <a:t>euccell4”.</a:t>
+            </a:r>
+            <a:r>
+              <a:rPr lang="en-US" b="1" dirty="0"/>
+              <a:t> </a:t>
+            </a:r>
+            <a:r>
+              <a:rPr lang="en-US" b="1" dirty="0" smtClean="0"/>
+              <a:t>A binary reclassification layer </a:t>
+            </a:r>
+            <a:r>
+              <a:rPr lang="en-US" b="1" i="1" dirty="0" smtClean="0"/>
+              <a:t>“viewreclass1” </a:t>
+            </a:r>
+            <a:r>
+              <a:rPr lang="en-US" b="1" dirty="0" smtClean="0"/>
+              <a:t>was used in a Raster Calculation along with </a:t>
+            </a:r>
+            <a:r>
+              <a:rPr lang="en-US" b="1" i="1" dirty="0" smtClean="0"/>
+              <a:t>euccell4</a:t>
+            </a:r>
+            <a:r>
+              <a:rPr lang="en-US" b="1" dirty="0" smtClean="0"/>
+              <a:t> to remove excessive layers and create “</a:t>
+            </a:r>
+            <a:r>
+              <a:rPr lang="en-US" b="1" i="1" dirty="0" smtClean="0"/>
+              <a:t>viewcalc”, </a:t>
+            </a:r>
+            <a:r>
+              <a:rPr lang="en-US" b="1" dirty="0" smtClean="0"/>
+              <a:t>an moderately accurate representation of the signal strength of each tower given the </a:t>
+            </a:r>
+            <a:r>
+              <a:rPr lang="en-US" b="1" dirty="0" smtClean="0"/>
+              <a:t>DEM.</a:t>
+            </a:r>
+          </a:p>
+        </p:txBody>
+      </p:sp>
+      <p:sp>
+        <p:nvSpPr>
+          <p:cNvPr id="12" name="TextBox 11"/>
+          <p:cNvSpPr txBox="1"/>
+          <p:nvPr/>
+        </p:nvSpPr>
+        <p:spPr>
+          <a:xfrm>
+            <a:off x="28422600" y="6019800"/>
+            <a:ext cx="15468600" cy="9094797"/>
+          </a:xfrm>
+          <a:prstGeom prst="rect">
+            <a:avLst/>
+          </a:prstGeom>
+          <a:noFill/>
+          <a:ln>
+            <a:solidFill>
+              <a:schemeClr val="tx1"/>
+            </a:solidFill>
+          </a:ln>
+        </p:spPr>
+        <p:txBody>
+          <a:bodyPr wrap="square" rtlCol="0">
+            <a:spAutoFit/>
+          </a:bodyPr>
+          <a:lstStyle/>
+          <a:p>
+            <a:pPr algn="ctr"/>
+            <a:r>
+              <a:rPr lang="en-US" b="1" u="sng" dirty="0" smtClean="0"/>
+              <a:t>Discussion</a:t>
+            </a:r>
+          </a:p>
+          <a:p>
+            <a:r>
+              <a:rPr lang="en-US" b="1" dirty="0" smtClean="0"/>
+              <a:t>Similar studies can be done using a more realistic model involving atmospheric variables and the actual physics of signal propagation, rather than viewshed analysis. Further </a:t>
+            </a:r>
+            <a:r>
+              <a:rPr lang="en-US" b="1" dirty="0" smtClean="0"/>
+              <a:t>research into RF communications </a:t>
+            </a:r>
+            <a:r>
+              <a:rPr lang="en-US" b="1" dirty="0" smtClean="0"/>
+              <a:t>can </a:t>
+            </a:r>
+            <a:r>
+              <a:rPr lang="en-US" b="1" dirty="0" smtClean="0"/>
+              <a:t>be accomplished with similar data. </a:t>
+            </a:r>
+            <a:r>
+              <a:rPr lang="en-US" b="1" dirty="0" smtClean="0"/>
+              <a:t>Various communication commissions hold federal data which represents wireless network towers. Coverage optimization is becoming increasingly important in an age of connected monitoring devices. Data veracity depends on reliable connections from sensors to gateways. Reduction </a:t>
+            </a:r>
+            <a:r>
+              <a:rPr lang="en-US" b="1" dirty="0" smtClean="0"/>
+              <a:t>of expenses can be achieved with optimization packages for ArcGIS.</a:t>
+            </a:r>
+            <a:endParaRPr lang="en-US" dirty="0" smtClean="0"/>
+          </a:p>
+          <a:p>
+            <a:pPr algn="ctr"/>
+            <a:r>
+              <a:rPr lang="en-US" b="1" u="sng" dirty="0" smtClean="0"/>
+              <a:t>Conclusion</a:t>
+            </a:r>
+          </a:p>
+          <a:p>
+            <a:r>
+              <a:rPr lang="en-US" b="1" dirty="0" smtClean="0"/>
+              <a:t>It was found that a single tower could satisfy </a:t>
+            </a:r>
+            <a:r>
+              <a:rPr lang="en-US" b="1" dirty="0"/>
+              <a:t>f</a:t>
+            </a:r>
+            <a:r>
+              <a:rPr lang="en-US" b="1" dirty="0" smtClean="0"/>
+              <a:t>ull coverage in the county. </a:t>
+            </a:r>
+            <a:r>
+              <a:rPr lang="en-US" b="1" dirty="0" smtClean="0"/>
+              <a:t>The initial setup of cell towers in the county was satisfactory with little room for improvement. Given the expenses of the project, it would depend on the funding available for maintenance to be considered viable.</a:t>
+            </a:r>
+            <a:endParaRPr lang="en-US" b="1" dirty="0"/>
+          </a:p>
+        </p:txBody>
+      </p:sp>
+      <p:sp>
+        <p:nvSpPr>
+          <p:cNvPr id="8" name="TextBox 7"/>
+          <p:cNvSpPr txBox="1"/>
+          <p:nvPr/>
+        </p:nvSpPr>
+        <p:spPr>
+          <a:xfrm>
+            <a:off x="14456987" y="6019800"/>
+            <a:ext cx="13965613" cy="9094797"/>
+          </a:xfrm>
+          <a:prstGeom prst="rect">
+            <a:avLst/>
+          </a:prstGeom>
+          <a:noFill/>
+          <a:ln>
+            <a:solidFill>
+              <a:schemeClr val="tx1"/>
+            </a:solidFill>
+          </a:ln>
+        </p:spPr>
+        <p:txBody>
+          <a:bodyPr wrap="square" rtlCol="0">
+            <a:spAutoFit/>
+          </a:bodyPr>
+          <a:lstStyle/>
+          <a:p>
+            <a:pPr algn="ctr"/>
+            <a:r>
+              <a:rPr lang="en-US" b="1" u="sng" dirty="0" smtClean="0"/>
+              <a:t>Methods, cont.</a:t>
+            </a:r>
+          </a:p>
+          <a:p>
+            <a:r>
+              <a:rPr lang="en-US" b="1" dirty="0" smtClean="0"/>
+              <a:t>The </a:t>
+            </a:r>
+            <a:r>
+              <a:rPr lang="en-US" b="1" dirty="0"/>
+              <a:t>proposed tower was found to have a good, high-elevation area that does not intrude on urban development</a:t>
+            </a:r>
+            <a:r>
+              <a:rPr lang="en-US" b="1" dirty="0" smtClean="0"/>
+              <a:t>. The Create Feature Class tool in ArcGIS was used to create the vector point layer in this spot, “</a:t>
+            </a:r>
+            <a:r>
+              <a:rPr lang="en-US" b="1" i="1" dirty="0" smtClean="0"/>
+              <a:t>newtower.shp”.  </a:t>
+            </a:r>
+            <a:r>
+              <a:rPr lang="en-US" b="1" dirty="0" smtClean="0"/>
+              <a:t>The attribute </a:t>
+            </a:r>
+            <a:r>
+              <a:rPr lang="en-US" b="1" dirty="0" smtClean="0"/>
+              <a:t>table of the new tower was altered to add a field named “OFFSETA”, which was given a value of 50 to measure its height in meters. </a:t>
+            </a:r>
+            <a:r>
+              <a:rPr lang="en-US" b="1" dirty="0" smtClean="0"/>
+              <a:t>Similar </a:t>
+            </a:r>
+            <a:r>
+              <a:rPr lang="en-US" b="1" dirty="0" smtClean="0"/>
+              <a:t>operations to that of </a:t>
+            </a:r>
+            <a:r>
+              <a:rPr lang="en-US" b="1" i="1" dirty="0" smtClean="0"/>
+              <a:t>Export_cellular.shp </a:t>
+            </a:r>
+            <a:r>
+              <a:rPr lang="en-US" b="1" dirty="0" smtClean="0"/>
+              <a:t>were done on this file to make another propagation model to fill in the gaps of the previous one: </a:t>
+            </a:r>
+          </a:p>
+          <a:p>
+            <a:r>
+              <a:rPr lang="en-US" b="1" dirty="0" smtClean="0"/>
+              <a:t>(recall parameters necessary for the tools from previous sections)</a:t>
+            </a:r>
+          </a:p>
+          <a:p>
+            <a:endParaRPr lang="en-US" b="1" dirty="0" smtClean="0"/>
+          </a:p>
+          <a:p>
+            <a:pPr marL="571500" indent="-571500">
+              <a:buFont typeface="Arial" panose="020B0604020202020204" pitchFamily="34" charset="0"/>
+              <a:buChar char="•"/>
+            </a:pPr>
+            <a:r>
+              <a:rPr lang="en-US" b="1" dirty="0" smtClean="0"/>
+              <a:t>Viewshed: “</a:t>
+            </a:r>
+            <a:r>
+              <a:rPr lang="en-US" b="1" i="1" dirty="0" smtClean="0"/>
+              <a:t>newview</a:t>
+            </a:r>
+            <a:r>
+              <a:rPr lang="en-US" b="1" i="1" dirty="0" smtClean="0"/>
+              <a:t>”</a:t>
+            </a:r>
+            <a:r>
+              <a:rPr lang="en-US" b="1" dirty="0" smtClean="0"/>
+              <a:t>.</a:t>
+            </a:r>
+            <a:endParaRPr lang="en-US" b="1" dirty="0" smtClean="0"/>
+          </a:p>
+          <a:p>
+            <a:pPr marL="571500" indent="-571500">
+              <a:buFont typeface="Arial" panose="020B0604020202020204" pitchFamily="34" charset="0"/>
+              <a:buChar char="•"/>
+            </a:pPr>
+            <a:r>
+              <a:rPr lang="en-US" b="1" dirty="0" smtClean="0"/>
+              <a:t>Reclassify: “</a:t>
+            </a:r>
+            <a:r>
+              <a:rPr lang="en-US" b="1" i="1" dirty="0" smtClean="0"/>
+              <a:t>classviewfin2</a:t>
+            </a:r>
+            <a:r>
+              <a:rPr lang="en-US" b="1" i="1" dirty="0" smtClean="0"/>
+              <a:t>”.</a:t>
+            </a:r>
+            <a:endParaRPr lang="en-US" b="1" i="1" dirty="0" smtClean="0"/>
+          </a:p>
+          <a:p>
+            <a:pPr marL="571500" indent="-571500">
+              <a:buFont typeface="Arial" panose="020B0604020202020204" pitchFamily="34" charset="0"/>
+              <a:buChar char="•"/>
+            </a:pPr>
+            <a:r>
+              <a:rPr lang="en-US" b="1" dirty="0" smtClean="0"/>
+              <a:t>Euclidean Distance:</a:t>
+            </a:r>
+            <a:r>
+              <a:rPr lang="en-US" b="1" i="1" dirty="0"/>
+              <a:t> </a:t>
+            </a:r>
+            <a:r>
+              <a:rPr lang="en-US" b="1" i="1" dirty="0" smtClean="0"/>
+              <a:t>“newtowdist</a:t>
+            </a:r>
+            <a:r>
+              <a:rPr lang="en-US" b="1" i="1" dirty="0" smtClean="0"/>
+              <a:t>”.</a:t>
+            </a:r>
+            <a:endParaRPr lang="en-US" b="1" i="1" dirty="0" smtClean="0"/>
+          </a:p>
+          <a:p>
+            <a:pPr marL="571500" indent="-571500">
+              <a:buFont typeface="Arial" panose="020B0604020202020204" pitchFamily="34" charset="0"/>
+              <a:buChar char="•"/>
+            </a:pPr>
+            <a:r>
+              <a:rPr lang="en-US" b="1" dirty="0" smtClean="0"/>
+              <a:t>Raster Calculator: “</a:t>
+            </a:r>
+            <a:r>
+              <a:rPr lang="en-US" b="1" i="1" dirty="0" smtClean="0"/>
+              <a:t>newcalc</a:t>
+            </a:r>
+            <a:r>
+              <a:rPr lang="en-US" b="1" i="1" dirty="0" smtClean="0"/>
+              <a:t>”.</a:t>
+            </a:r>
+          </a:p>
+        </p:txBody>
+      </p:sp>
       <p:pic>
         <p:nvPicPr>
-          <p:cNvPr id="7" name="Picture 6"/>
+          <p:cNvPr id="17" name="Picture 16"/>
           <p:cNvPicPr>
             <a:picLocks noChangeAspect="1"/>
           </p:cNvPicPr>
@@ -3511,323 +3905,17 @@
         </p:blipFill>
         <p:spPr>
           <a:xfrm>
-            <a:off x="34061400" y="18869678"/>
-            <a:ext cx="8715418" cy="11466819"/>
+            <a:off x="1" y="23623676"/>
+            <a:ext cx="17672310" cy="6446376"/>
           </a:xfrm>
           <a:prstGeom prst="rect">
             <a:avLst/>
           </a:prstGeom>
         </p:spPr>
       </p:pic>
-      <p:sp>
-        <p:nvSpPr>
-          <p:cNvPr id="11" name="TextBox 10"/>
-          <p:cNvSpPr txBox="1"/>
-          <p:nvPr/>
-        </p:nvSpPr>
-        <p:spPr>
-          <a:xfrm>
-            <a:off x="0" y="6019800"/>
-            <a:ext cx="14798306" cy="18097262"/>
-          </a:xfrm>
-          <a:prstGeom prst="rect">
-            <a:avLst/>
-          </a:prstGeom>
-          <a:noFill/>
-        </p:spPr>
-        <p:txBody>
-          <a:bodyPr wrap="square" rtlCol="0">
-            <a:spAutoFit/>
-          </a:bodyPr>
-          <a:lstStyle/>
-          <a:p>
-            <a:r>
-              <a:rPr lang="en-US" b="1" u="sng" dirty="0" smtClean="0"/>
-              <a:t>Introduction</a:t>
-            </a:r>
-            <a:endParaRPr lang="en-US" dirty="0" smtClean="0"/>
-          </a:p>
-          <a:p>
-            <a:r>
-              <a:rPr lang="en-US" dirty="0" smtClean="0"/>
-              <a:t>The area of Leelanau county was observed for cellular coverage analysis. An area of south Leelanau, consisting of a largely farmlands, was found to have a dead spot. This study proposes that a cellular tower be built to increase the overall coverage and present a budget for its initial cost and management.</a:t>
-            </a:r>
-          </a:p>
-          <a:p>
-            <a:endParaRPr lang="en-US" u="sng" dirty="0" smtClean="0"/>
-          </a:p>
-          <a:p>
-            <a:r>
-              <a:rPr lang="en-US" b="1" u="sng" dirty="0" smtClean="0"/>
-              <a:t>Data and methods</a:t>
-            </a:r>
-            <a:endParaRPr lang="en-US" dirty="0" smtClean="0"/>
-          </a:p>
-          <a:p>
-            <a:r>
-              <a:rPr lang="en-US" dirty="0" smtClean="0"/>
-              <a:t>The data used in this study was gathered through the USDA Geospatial Data Gateway</a:t>
-            </a:r>
-            <a:r>
-              <a:rPr lang="en-US" baseline="30000" dirty="0" smtClean="0"/>
-              <a:t>1</a:t>
-            </a:r>
-            <a:r>
-              <a:rPr lang="en-US" dirty="0" smtClean="0"/>
-              <a:t> and the FCC</a:t>
-            </a:r>
-            <a:r>
-              <a:rPr lang="en-US" baseline="30000" dirty="0" smtClean="0"/>
-              <a:t>2</a:t>
-            </a:r>
-            <a:r>
-              <a:rPr lang="en-US" dirty="0" smtClean="0"/>
-              <a:t> . Included in the USDA data was elevation data (DEMs) with filenames such as “</a:t>
-            </a:r>
-            <a:r>
-              <a:rPr lang="en-US" i="1" dirty="0" smtClean="0"/>
-              <a:t>ned30m45086.tif</a:t>
-            </a:r>
-            <a:r>
-              <a:rPr lang="en-US" dirty="0" smtClean="0"/>
-              <a:t>”. Each of the 30m DEMs were mosaicked into one file with the ArcGIS Mosaic tool. A Fill function was run on the resulting DEM to ensure that there were no inconsistencies in the data, </a:t>
-            </a:r>
-            <a:r>
-              <a:rPr lang="en-US" i="1" dirty="0" smtClean="0"/>
-              <a:t>“demfill”.</a:t>
-            </a:r>
-            <a:r>
-              <a:rPr lang="en-US" dirty="0" smtClean="0"/>
-              <a:t> This file was essential to each of the viewshed functions. The FCC data included a file “</a:t>
-            </a:r>
-            <a:r>
-              <a:rPr lang="en-US" i="1" dirty="0" smtClean="0"/>
-              <a:t>cellular.shp” </a:t>
-            </a:r>
-            <a:r>
-              <a:rPr lang="en-US" dirty="0" smtClean="0"/>
-              <a:t>which contained all of the cellular towers in the US. This shapefile was projected to the same coordinate system, </a:t>
-            </a:r>
-            <a:r>
-              <a:rPr lang="en-US" i="1" dirty="0" smtClean="0"/>
-              <a:t>“Export_cellular.shp”.</a:t>
-            </a:r>
-            <a:endParaRPr lang="en-US" i="1" dirty="0"/>
-          </a:p>
-          <a:p>
-            <a:r>
-              <a:rPr lang="en-US" dirty="0" smtClean="0"/>
-              <a:t>A </a:t>
-            </a:r>
-            <a:r>
-              <a:rPr lang="en-US" dirty="0"/>
-              <a:t>viewshed function was run on </a:t>
-            </a:r>
-            <a:r>
-              <a:rPr lang="en-US" i="1" dirty="0"/>
-              <a:t>demfill </a:t>
-            </a:r>
-            <a:r>
-              <a:rPr lang="en-US" dirty="0"/>
-              <a:t>with </a:t>
-            </a:r>
-            <a:r>
-              <a:rPr lang="en-US" i="1" dirty="0"/>
-              <a:t>Export_cellular.shp </a:t>
-            </a:r>
-            <a:r>
-              <a:rPr lang="en-US" dirty="0"/>
-              <a:t> as the input point</a:t>
-            </a:r>
-            <a:r>
-              <a:rPr lang="en-US" i="1" dirty="0"/>
-              <a:t>. </a:t>
-            </a:r>
-            <a:r>
-              <a:rPr lang="en-US" dirty="0"/>
-              <a:t>This was considered the original tower layout, “</a:t>
-            </a:r>
-            <a:r>
-              <a:rPr lang="en-US" i="1" dirty="0"/>
-              <a:t>viewtow”</a:t>
-            </a:r>
-            <a:r>
-              <a:rPr lang="en-US" dirty="0"/>
-              <a:t>. The data in this shapefile was reclassified to ensure that </a:t>
-            </a:r>
-            <a:r>
-              <a:rPr lang="en-US" dirty="0" smtClean="0"/>
-              <a:t>all non-visible areas were eliminated from the raster, “</a:t>
-            </a:r>
-            <a:r>
-              <a:rPr lang="en-US" i="1" dirty="0" smtClean="0"/>
-              <a:t>classviewfin”. </a:t>
-            </a:r>
-            <a:r>
-              <a:rPr lang="en-US" dirty="0"/>
-              <a:t>The raster data now represented fully visible data, a Euclidean Distance function was run on </a:t>
-            </a:r>
-            <a:r>
-              <a:rPr lang="en-US" i="1" dirty="0"/>
-              <a:t>classviewfin </a:t>
-            </a:r>
-            <a:r>
-              <a:rPr lang="en-US" dirty="0"/>
-              <a:t>which created “</a:t>
-            </a:r>
-            <a:r>
-              <a:rPr lang="en-US" i="1" dirty="0"/>
-              <a:t>euccell4”.</a:t>
-            </a:r>
-            <a:r>
-              <a:rPr lang="en-US" dirty="0"/>
-              <a:t> </a:t>
-            </a:r>
-            <a:r>
-              <a:rPr lang="en-US" dirty="0" smtClean="0"/>
-              <a:t>A binary reclassification layer </a:t>
-            </a:r>
-            <a:r>
-              <a:rPr lang="en-US" i="1" dirty="0" smtClean="0"/>
-              <a:t>“viewreclass1” </a:t>
-            </a:r>
-            <a:r>
-              <a:rPr lang="en-US" dirty="0" smtClean="0"/>
-              <a:t>was used in a Raster Calculation along with </a:t>
-            </a:r>
-            <a:r>
-              <a:rPr lang="en-US" i="1" dirty="0" smtClean="0"/>
-              <a:t>euccell4</a:t>
-            </a:r>
-            <a:r>
-              <a:rPr lang="en-US" dirty="0" smtClean="0"/>
-              <a:t> to remove excessive layers and create “</a:t>
-            </a:r>
-            <a:r>
-              <a:rPr lang="en-US" i="1" dirty="0" smtClean="0"/>
-              <a:t>viewcalc”, </a:t>
-            </a:r>
-            <a:r>
-              <a:rPr lang="en-US" dirty="0" smtClean="0"/>
-              <a:t>an moderately accurate representation of the signal strength of each tower given the DEM.</a:t>
-            </a:r>
-            <a:endParaRPr lang="en-US" b="1" dirty="0"/>
-          </a:p>
-          <a:p>
-            <a:r>
-              <a:rPr lang="en-US" dirty="0" smtClean="0"/>
-              <a:t>  </a:t>
-            </a:r>
-          </a:p>
-          <a:p>
-            <a:endParaRPr lang="en-US" dirty="0" smtClean="0"/>
-          </a:p>
-          <a:p>
-            <a:endParaRPr lang="en-US" dirty="0"/>
-          </a:p>
-        </p:txBody>
-      </p:sp>
-      <p:sp>
-        <p:nvSpPr>
-          <p:cNvPr id="12" name="TextBox 11"/>
-          <p:cNvSpPr txBox="1"/>
-          <p:nvPr/>
-        </p:nvSpPr>
-        <p:spPr>
-          <a:xfrm>
-            <a:off x="28917900" y="6019800"/>
-            <a:ext cx="14494520" cy="4293483"/>
-          </a:xfrm>
-          <a:prstGeom prst="rect">
-            <a:avLst/>
-          </a:prstGeom>
-          <a:noFill/>
-        </p:spPr>
-        <p:txBody>
-          <a:bodyPr wrap="square" rtlCol="0">
-            <a:spAutoFit/>
-          </a:bodyPr>
-          <a:lstStyle/>
-          <a:p>
-            <a:r>
-              <a:rPr lang="en-US" b="1" u="sng" dirty="0" smtClean="0"/>
-              <a:t>Discussion</a:t>
-            </a:r>
-          </a:p>
-          <a:p>
-            <a:r>
-              <a:rPr lang="en-US" dirty="0" smtClean="0"/>
-              <a:t>Further research into RF communications for monitoring of various data can be accomplished with similar data. </a:t>
-            </a:r>
-          </a:p>
-          <a:p>
-            <a:endParaRPr lang="en-US" dirty="0" smtClean="0"/>
-          </a:p>
-          <a:p>
-            <a:r>
-              <a:rPr lang="en-US" b="1" u="sng" dirty="0" smtClean="0"/>
-              <a:t>Conclusion</a:t>
-            </a:r>
-          </a:p>
-          <a:p>
-            <a:endParaRPr lang="en-US" dirty="0"/>
-          </a:p>
-          <a:p>
-            <a:endParaRPr lang="en-US" dirty="0"/>
-          </a:p>
-        </p:txBody>
-      </p:sp>
-      <p:sp>
-        <p:nvSpPr>
-          <p:cNvPr id="8" name="TextBox 7"/>
-          <p:cNvSpPr txBox="1"/>
-          <p:nvPr/>
-        </p:nvSpPr>
-        <p:spPr>
-          <a:xfrm>
-            <a:off x="14973300" y="6019800"/>
-            <a:ext cx="13449300" cy="3093154"/>
-          </a:xfrm>
-          <a:prstGeom prst="rect">
-            <a:avLst/>
-          </a:prstGeom>
-          <a:noFill/>
-        </p:spPr>
-        <p:txBody>
-          <a:bodyPr wrap="square" rtlCol="0">
-            <a:spAutoFit/>
-          </a:bodyPr>
-          <a:lstStyle/>
-          <a:p>
-            <a:r>
-              <a:rPr lang="en-US" b="1" u="sng" dirty="0" smtClean="0"/>
-              <a:t>Methods, cont.</a:t>
-            </a:r>
-          </a:p>
-          <a:p>
-            <a:r>
-              <a:rPr lang="en-US" dirty="0" smtClean="0"/>
-              <a:t>The </a:t>
-            </a:r>
-            <a:r>
-              <a:rPr lang="en-US" dirty="0"/>
-              <a:t>proposed tower was found to have a good, high-elevation area that does not intrude on urban development</a:t>
-            </a:r>
-            <a:r>
-              <a:rPr lang="en-US" dirty="0" smtClean="0"/>
-              <a:t>. The Create Feature Class tool in ArcGIS was used to create the vector point layer in this spot, “</a:t>
-            </a:r>
-            <a:r>
-              <a:rPr lang="en-US" i="1" dirty="0" smtClean="0"/>
-              <a:t>newtower.shp”. </a:t>
-            </a:r>
-            <a:endParaRPr lang="en-US" dirty="0"/>
-          </a:p>
-        </p:txBody>
-      </p:sp>
       <p:pic>
         <p:nvPicPr>
-          <p:cNvPr id="17" name="Picture 16"/>
+          <p:cNvPr id="18" name="Picture 17"/>
           <p:cNvPicPr>
             <a:picLocks noChangeAspect="1"/>
           </p:cNvPicPr>
@@ -3847,58 +3935,33 @@
         </p:blipFill>
         <p:spPr>
           <a:xfrm>
-            <a:off x="391887" y="22253432"/>
-            <a:ext cx="17192433" cy="8002524"/>
+            <a:off x="17672311" y="18571732"/>
+            <a:ext cx="8559639" cy="11044897"/>
           </a:xfrm>
           <a:prstGeom prst="rect">
             <a:avLst/>
           </a:prstGeom>
         </p:spPr>
       </p:pic>
-      <p:pic>
-        <p:nvPicPr>
-          <p:cNvPr id="18" name="Picture 17"/>
-          <p:cNvPicPr>
-            <a:picLocks noChangeAspect="1"/>
-          </p:cNvPicPr>
+      <p:sp>
+        <p:nvSpPr>
+          <p:cNvPr id="20" name="Rectangle 19"/>
+          <p:cNvSpPr/>
           <p:nvPr/>
-        </p:nvPicPr>
-        <p:blipFill>
-          <a:blip r:embed="rId6">
-            <a:extLst>
-              <a:ext uri="{28A0092B-C50C-407E-A947-70E740481C1C}">
-                <a14:useLocalDpi xmlns:a14="http://schemas.microsoft.com/office/drawing/2010/main" val="0"/>
-              </a:ext>
-            </a:extLst>
-          </a:blip>
-          <a:stretch>
-            <a:fillRect/>
-          </a:stretch>
-        </p:blipFill>
+        </p:nvSpPr>
         <p:spPr>
           <a:xfrm>
-            <a:off x="17672311" y="19029313"/>
-            <a:ext cx="8559639" cy="11064593"/>
+            <a:off x="14456986" y="15119915"/>
+            <a:ext cx="29434213" cy="3693319"/>
           </a:xfrm>
           <a:prstGeom prst="rect">
             <a:avLst/>
           </a:prstGeom>
-        </p:spPr>
-      </p:pic>
-      <p:sp>
-        <p:nvSpPr>
-          <p:cNvPr id="20" name="Rectangle 19"/>
-          <p:cNvSpPr/>
-          <p:nvPr/>
-        </p:nvSpPr>
-        <p:spPr>
-          <a:xfrm>
-            <a:off x="18821400" y="15110497"/>
-            <a:ext cx="18667280" cy="2492990"/>
-          </a:xfrm>
-          <a:prstGeom prst="rect">
-            <a:avLst/>
-          </a:prstGeom>
+          <a:ln>
+            <a:solidFill>
+              <a:schemeClr val="tx1"/>
+            </a:solidFill>
+          </a:ln>
         </p:spPr>
         <p:txBody>
           <a:bodyPr wrap="square">
@@ -3906,25 +3969,99 @@
           </a:bodyPr>
           <a:lstStyle/>
           <a:p>
+            <a:pPr algn="ctr"/>
             <a:r>
               <a:rPr lang="en-US" b="1" u="sng" dirty="0" smtClean="0"/>
               <a:t>Results</a:t>
             </a:r>
           </a:p>
           <a:p>
-            <a:r>
-              <a:rPr lang="en-US" dirty="0" smtClean="0"/>
-              <a:t>Figure 1 is the ArcGIS </a:t>
-            </a:r>
-            <a:r>
-              <a:rPr lang="en-US" dirty="0" err="1" smtClean="0"/>
-              <a:t>ModelBuilder</a:t>
-            </a:r>
-            <a:r>
-              <a:rPr lang="en-US" dirty="0" smtClean="0"/>
-              <a:t> model for the project. Figure 2 is the DEM of Leelanau County. Figure 3 is the propagation model of the original towers. Figure 4 is the propagation model of the proposed tower.</a:t>
-            </a:r>
-            <a:endParaRPr lang="en-US" dirty="0"/>
+            <a:pPr algn="ctr"/>
+            <a:r>
+              <a:rPr lang="en-US" b="1" dirty="0" smtClean="0"/>
+              <a:t>Based on modern pricing conventions for cell towers, a single tower built in this area would cost around $200,000</a:t>
+            </a:r>
+            <a:r>
+              <a:rPr lang="en-US" b="1" baseline="30000" dirty="0" smtClean="0"/>
+              <a:t>3</a:t>
+            </a:r>
+            <a:r>
+              <a:rPr lang="en-US" b="1" dirty="0" smtClean="0"/>
+              <a:t>.</a:t>
+            </a:r>
+          </a:p>
+          <a:p>
+            <a:pPr algn="ctr"/>
+            <a:r>
+              <a:rPr lang="en-US" b="1" i="1" dirty="0" smtClean="0"/>
+              <a:t>Figure </a:t>
+            </a:r>
+            <a:r>
+              <a:rPr lang="en-US" b="1" i="1" dirty="0" smtClean="0"/>
+              <a:t>1</a:t>
+            </a:r>
+            <a:r>
+              <a:rPr lang="en-US" b="1" dirty="0" smtClean="0"/>
+              <a:t> is the ArcGIS ModelBuilder for the project. </a:t>
+            </a:r>
+          </a:p>
+          <a:p>
+            <a:pPr algn="ctr"/>
+            <a:r>
+              <a:rPr lang="en-US" b="1" i="1" dirty="0" smtClean="0"/>
+              <a:t>Figure 2</a:t>
+            </a:r>
+            <a:r>
+              <a:rPr lang="en-US" b="1" dirty="0" smtClean="0"/>
+              <a:t> is the DEM of Leelanau County, </a:t>
+            </a:r>
+            <a:r>
+              <a:rPr lang="en-US" b="1" i="1" dirty="0" smtClean="0"/>
+              <a:t>ned30m45086.tif</a:t>
+            </a:r>
+            <a:r>
+              <a:rPr lang="en-US" b="1" dirty="0" smtClean="0"/>
+              <a:t>. </a:t>
+            </a:r>
+          </a:p>
+          <a:p>
+            <a:pPr algn="ctr"/>
+            <a:r>
+              <a:rPr lang="en-US" b="1" i="1" dirty="0" smtClean="0"/>
+              <a:t>Figure 3 </a:t>
+            </a:r>
+            <a:r>
+              <a:rPr lang="en-US" b="1" dirty="0" smtClean="0"/>
+              <a:t>is the propagation model of the original towers, </a:t>
+            </a:r>
+            <a:r>
+              <a:rPr lang="en-US" b="1" i="1" dirty="0" smtClean="0"/>
+              <a:t>viewcalc</a:t>
+            </a:r>
+            <a:r>
+              <a:rPr lang="en-US" b="1" dirty="0" smtClean="0"/>
+              <a:t>. </a:t>
+            </a:r>
+          </a:p>
+          <a:p>
+            <a:pPr algn="ctr"/>
+            <a:r>
+              <a:rPr lang="en-US" b="1" i="1" dirty="0" smtClean="0"/>
+              <a:t>Figure 4 </a:t>
+            </a:r>
+            <a:r>
+              <a:rPr lang="en-US" b="1" dirty="0" smtClean="0"/>
+              <a:t>is the propagation model of the proposed tower, </a:t>
+            </a:r>
+            <a:r>
+              <a:rPr lang="en-US" b="1" i="1" dirty="0" smtClean="0"/>
+              <a:t>newcalc</a:t>
+            </a:r>
+            <a:r>
+              <a:rPr lang="en-US" b="1" dirty="0" smtClean="0"/>
+              <a:t>.</a:t>
+            </a:r>
+            <a:endParaRPr lang="en-US" b="1" dirty="0"/>
           </a:p>
         </p:txBody>
       </p:sp>
@@ -3936,7 +4073,7 @@
         </p:nvSpPr>
         <p:spPr>
           <a:xfrm>
-            <a:off x="18821400" y="18024865"/>
+            <a:off x="18696310" y="29503448"/>
             <a:ext cx="6400800" cy="692497"/>
           </a:xfrm>
           <a:prstGeom prst="rect">
@@ -3952,7 +4089,7 @@
           <a:p>
             <a:pPr algn="ctr"/>
             <a:r>
-              <a:rPr lang="en-US" b="1" dirty="0" smtClean="0"/>
+              <a:rPr lang="en-US" b="1" i="1" dirty="0" smtClean="0"/>
               <a:t>Figure 2</a:t>
             </a:r>
             <a:r>
@@ -3971,7 +4108,7 @@
         </p:nvSpPr>
         <p:spPr>
           <a:xfrm>
-            <a:off x="26231950" y="18021205"/>
+            <a:off x="25840225" y="29580740"/>
             <a:ext cx="8699046" cy="692497"/>
           </a:xfrm>
           <a:prstGeom prst="rect">
@@ -3987,14 +4124,14 @@
           <a:p>
             <a:pPr algn="ctr"/>
             <a:r>
-              <a:rPr lang="en-US" b="1" dirty="0" smtClean="0"/>
+              <a:rPr lang="en-US" b="1" i="1" dirty="0" smtClean="0"/>
               <a:t>Figure 3</a:t>
             </a:r>
             <a:r>
-              <a:rPr lang="en-US" dirty="0" smtClean="0"/>
+              <a:rPr lang="en-US" i="1" dirty="0" smtClean="0"/>
               <a:t>.</a:t>
             </a:r>
-            <a:endParaRPr lang="en-US" dirty="0"/>
+            <a:endParaRPr lang="en-US" i="1" dirty="0"/>
           </a:p>
         </p:txBody>
       </p:sp>
@@ -4006,7 +4143,7 @@
         </p:nvSpPr>
         <p:spPr>
           <a:xfrm>
-            <a:off x="35447309" y="18026247"/>
+            <a:off x="35240704" y="29580739"/>
             <a:ext cx="5943600" cy="692497"/>
           </a:xfrm>
           <a:prstGeom prst="rect">
@@ -4022,10 +4159,10 @@
           <a:p>
             <a:pPr algn="ctr"/>
             <a:r>
-              <a:rPr lang="en-US" b="1" dirty="0" smtClean="0"/>
+              <a:rPr lang="en-US" b="1" i="1" dirty="0" smtClean="0"/>
               <a:t>Figure 4.</a:t>
             </a:r>
-            <a:endParaRPr lang="en-US" b="1" dirty="0"/>
+            <a:endParaRPr lang="en-US" b="1" i="1" dirty="0"/>
           </a:p>
         </p:txBody>
       </p:sp>
@@ -4037,8 +4174,8 @@
         </p:nvSpPr>
         <p:spPr>
           <a:xfrm>
-            <a:off x="6430073" y="22056820"/>
-            <a:ext cx="1959960" cy="692497"/>
+            <a:off x="8041282" y="29616629"/>
+            <a:ext cx="1981633" cy="692497"/>
           </a:xfrm>
           <a:prstGeom prst="rect">
             <a:avLst/>
@@ -4052,7 +4189,7 @@
           <a:lstStyle/>
           <a:p>
             <a:r>
-              <a:rPr lang="en-US" b="1" dirty="0" smtClean="0"/>
+              <a:rPr lang="en-US" b="1" i="1" dirty="0" smtClean="0"/>
               <a:t>Figure 1</a:t>
             </a:r>
             <a:r>
@@ -4060,6 +4197,81 @@
               <a:t>.</a:t>
             </a:r>
             <a:endParaRPr lang="en-US" dirty="0"/>
+          </a:p>
+        </p:txBody>
+      </p:sp>
+      <p:sp>
+        <p:nvSpPr>
+          <p:cNvPr id="3" name="TextBox 2"/>
+          <p:cNvSpPr txBox="1"/>
+          <p:nvPr/>
+        </p:nvSpPr>
+        <p:spPr>
+          <a:xfrm>
+            <a:off x="391887" y="30380015"/>
+            <a:ext cx="43020533" cy="2308324"/>
+          </a:xfrm>
+          <a:prstGeom prst="rect">
+            <a:avLst/>
+          </a:prstGeom>
+          <a:noFill/>
+        </p:spPr>
+        <p:txBody>
+          <a:bodyPr wrap="square" rtlCol="0">
+            <a:spAutoFit/>
+          </a:bodyPr>
+          <a:lstStyle/>
+          <a:p>
+            <a:r>
+              <a:rPr lang="en-US" sz="3600" b="1" u="sng" dirty="0"/>
+              <a:t>References</a:t>
+            </a:r>
+          </a:p>
+          <a:p>
+            <a:r>
+              <a:rPr lang="en-US" sz="3600" b="1" dirty="0"/>
+              <a:t>1. National Elevation Dataset 30 Meter 1-degree Tiles. (n.d.). Retrieved March 25, 2016, from </a:t>
+            </a:r>
+            <a:r>
+              <a:rPr lang="en-US" sz="3600" b="1" dirty="0">
+                <a:hlinkClick r:id="rId6"/>
+              </a:rPr>
+              <a:t>http://datagateway.nrcs.usda.gov/</a:t>
+            </a:r>
+            <a:r>
+              <a:rPr lang="en-US" sz="3600" b="1" dirty="0"/>
+              <a:t> Publication Place: Fort Worth, TX. Publisher: National Cartography &amp; Geospatial Center</a:t>
+            </a:r>
+          </a:p>
+          <a:p>
+            <a:r>
+              <a:rPr lang="en-US" sz="3600" b="1" dirty="0"/>
+              <a:t>2. Federal Communications Commission (FCC) Geospatial Data, United States - Minnesota Geospatial Commons. (n.d.). Retrieved March 30, 2016, from </a:t>
+            </a:r>
+            <a:r>
+              <a:rPr lang="en-US" sz="3600" b="1" dirty="0">
+                <a:hlinkClick r:id="rId7"/>
+              </a:rPr>
+              <a:t>https://</a:t>
+            </a:r>
+            <a:r>
+              <a:rPr lang="en-US" sz="3600" b="1" dirty="0" smtClean="0">
+                <a:hlinkClick r:id="rId7"/>
+              </a:rPr>
+              <a:t>gisdata.mn.gov/dataset/util-fcc</a:t>
+            </a:r>
+            <a:endParaRPr lang="en-US" sz="3600" b="1" dirty="0"/>
+          </a:p>
+          <a:p>
+            <a:r>
+              <a:rPr lang="en-US" sz="3600" b="1" dirty="0"/>
+              <a:t>3. Foster, N. (2015, June 09). How Much Does A Cell Tower Cost? | Airwave Advisors. Retrieved April 27, 2016, from http://www.airwaveadvisors.com/how-much-does-a-cell-tower-cost</a:t>
+            </a:r>
+            <a:r>
+              <a:rPr lang="en-US" sz="3600" b="1" dirty="0" smtClean="0"/>
+              <a:t>/</a:t>
+            </a:r>
+            <a:endParaRPr lang="en-US" sz="3600" dirty="0"/>
           </a:p>
         </p:txBody>
       </p:sp>
@@ -4369,12 +4581,9 @@
 </file>
 
 <file path=customXml/item1.xml><?xml version="1.0" encoding="utf-8"?>
-<?mso-contentType ?>
-<FormTemplates xmlns="http://schemas.microsoft.com/sharepoint/v3/contenttype/forms">
-  <Display>DocumentLibraryForm</Display>
-  <Edit>DocumentLibraryForm</Edit>
-  <New>DocumentLibraryForm</New>
-</FormTemplates>
+<p:properties xmlns:p="http://schemas.microsoft.com/office/2006/metadata/properties" xmlns:xsi="http://www.w3.org/2001/XMLSchema-instance" xmlns:pc="http://schemas.microsoft.com/office/infopath/2007/PartnerControls">
+  <documentManagement/>
+</p:properties>
 </file>
 
 <file path=customXml/item2.xml><?xml version="1.0" encoding="utf-8"?>
@@ -4492,15 +4701,25 @@
 </file>
 
 <file path=customXml/item3.xml><?xml version="1.0" encoding="utf-8"?>
-<p:properties xmlns:p="http://schemas.microsoft.com/office/2006/metadata/properties" xmlns:xsi="http://www.w3.org/2001/XMLSchema-instance" xmlns:pc="http://schemas.microsoft.com/office/infopath/2007/PartnerControls">
-  <documentManagement/>
-</p:properties>
+<?mso-contentType ?>
+<FormTemplates xmlns="http://schemas.microsoft.com/sharepoint/v3/contenttype/forms">
+  <Display>DocumentLibraryForm</Display>
+  <Edit>DocumentLibraryForm</Edit>
+  <New>DocumentLibraryForm</New>
+</FormTemplates>
 </file>
 
 <file path=customXml/itemProps1.xml><?xml version="1.0" encoding="utf-8"?>
-<ds:datastoreItem xmlns:ds="http://schemas.openxmlformats.org/officeDocument/2006/customXml" ds:itemID="{E3CFD46A-BBE8-4BA6-8E0A-7ABA56EB2A01}">
+<ds:datastoreItem xmlns:ds="http://schemas.openxmlformats.org/officeDocument/2006/customXml" ds:itemID="{7A294E9D-1B44-4D82-8BD5-E08377F3C0F4}">
   <ds:schemaRefs>
-    <ds:schemaRef ds:uri="http://schemas.microsoft.com/sharepoint/v3/contenttype/forms"/>
+    <ds:schemaRef ds:uri="http://schemas.microsoft.com/office/2006/documentManagement/types"/>
+    <ds:schemaRef ds:uri="http://purl.org/dc/elements/1.1/"/>
+    <ds:schemaRef ds:uri="http://schemas.openxmlformats.org/package/2006/metadata/core-properties"/>
+    <ds:schemaRef ds:uri="http://www.w3.org/XML/1998/namespace"/>
+    <ds:schemaRef ds:uri="http://schemas.microsoft.com/office/infopath/2007/PartnerControls"/>
+    <ds:schemaRef ds:uri="http://schemas.microsoft.com/office/2006/metadata/properties"/>
+    <ds:schemaRef ds:uri="http://purl.org/dc/dcmitype/"/>
+    <ds:schemaRef ds:uri="http://purl.org/dc/terms/"/>
   </ds:schemaRefs>
 </ds:datastoreItem>
 </file>
@@ -4522,16 +4741,9 @@
 </file>
 
 <file path=customXml/itemProps3.xml><?xml version="1.0" encoding="utf-8"?>
-<ds:datastoreItem xmlns:ds="http://schemas.openxmlformats.org/officeDocument/2006/customXml" ds:itemID="{7A294E9D-1B44-4D82-8BD5-E08377F3C0F4}">
+<ds:datastoreItem xmlns:ds="http://schemas.openxmlformats.org/officeDocument/2006/customXml" ds:itemID="{E3CFD46A-BBE8-4BA6-8E0A-7ABA56EB2A01}">
   <ds:schemaRefs>
-    <ds:schemaRef ds:uri="http://schemas.microsoft.com/office/2006/documentManagement/types"/>
-    <ds:schemaRef ds:uri="http://purl.org/dc/elements/1.1/"/>
-    <ds:schemaRef ds:uri="http://schemas.openxmlformats.org/package/2006/metadata/core-properties"/>
-    <ds:schemaRef ds:uri="http://www.w3.org/XML/1998/namespace"/>
-    <ds:schemaRef ds:uri="http://schemas.microsoft.com/office/infopath/2007/PartnerControls"/>
-    <ds:schemaRef ds:uri="http://schemas.microsoft.com/office/2006/metadata/properties"/>
-    <ds:schemaRef ds:uri="http://purl.org/dc/dcmitype/"/>
-    <ds:schemaRef ds:uri="http://purl.org/dc/terms/"/>
+    <ds:schemaRef ds:uri="http://schemas.microsoft.com/sharepoint/v3/contenttype/forms"/>
   </ds:schemaRefs>
 </ds:datastoreItem>
 </file>